--- a/3D LED CUBE.pptx
+++ b/3D LED CUBE.pptx
@@ -16,13 +16,8 @@
     <p:sldId id="281" r:id="rId10"/>
     <p:sldId id="282" r:id="rId11"/>
     <p:sldId id="269" r:id="rId12"/>
-    <p:sldId id="283" r:id="rId13"/>
-    <p:sldId id="284" r:id="rId14"/>
-    <p:sldId id="285" r:id="rId15"/>
-    <p:sldId id="286" r:id="rId16"/>
-    <p:sldId id="287" r:id="rId17"/>
-    <p:sldId id="288" r:id="rId18"/>
-    <p:sldId id="276" r:id="rId19"/>
+    <p:sldId id="289" r:id="rId13"/>
+    <p:sldId id="276" r:id="rId14"/>
   </p:sldIdLst>
   <p:sldSz cx="12192000" cy="6858000"/>
   <p:notesSz cx="6858000" cy="9144000"/>
@@ -271,7 +266,7 @@
           <a:p>
             <a:fld id="{B21E6384-390C-4D47-A2DD-40123921A03B}" type="datetimeFigureOut">
               <a:rPr lang="es-ES" smtClean="0"/>
-              <a:t>05/07/2019</a:t>
+              <a:t>06/07/2019</a:t>
             </a:fld>
             <a:endParaRPr lang="es-ES"/>
           </a:p>
@@ -441,7 +436,7 @@
           <a:p>
             <a:fld id="{B21E6384-390C-4D47-A2DD-40123921A03B}" type="datetimeFigureOut">
               <a:rPr lang="es-ES" smtClean="0"/>
-              <a:t>05/07/2019</a:t>
+              <a:t>06/07/2019</a:t>
             </a:fld>
             <a:endParaRPr lang="es-ES"/>
           </a:p>
@@ -621,7 +616,7 @@
           <a:p>
             <a:fld id="{B21E6384-390C-4D47-A2DD-40123921A03B}" type="datetimeFigureOut">
               <a:rPr lang="es-ES" smtClean="0"/>
-              <a:t>05/07/2019</a:t>
+              <a:t>06/07/2019</a:t>
             </a:fld>
             <a:endParaRPr lang="es-ES"/>
           </a:p>
@@ -791,7 +786,7 @@
           <a:p>
             <a:fld id="{B21E6384-390C-4D47-A2DD-40123921A03B}" type="datetimeFigureOut">
               <a:rPr lang="es-ES" smtClean="0"/>
-              <a:t>05/07/2019</a:t>
+              <a:t>06/07/2019</a:t>
             </a:fld>
             <a:endParaRPr lang="es-ES"/>
           </a:p>
@@ -1037,7 +1032,7 @@
           <a:p>
             <a:fld id="{B21E6384-390C-4D47-A2DD-40123921A03B}" type="datetimeFigureOut">
               <a:rPr lang="es-ES" smtClean="0"/>
-              <a:t>05/07/2019</a:t>
+              <a:t>06/07/2019</a:t>
             </a:fld>
             <a:endParaRPr lang="es-ES"/>
           </a:p>
@@ -1269,7 +1264,7 @@
           <a:p>
             <a:fld id="{B21E6384-390C-4D47-A2DD-40123921A03B}" type="datetimeFigureOut">
               <a:rPr lang="es-ES" smtClean="0"/>
-              <a:t>05/07/2019</a:t>
+              <a:t>06/07/2019</a:t>
             </a:fld>
             <a:endParaRPr lang="es-ES"/>
           </a:p>
@@ -1636,7 +1631,7 @@
           <a:p>
             <a:fld id="{B21E6384-390C-4D47-A2DD-40123921A03B}" type="datetimeFigureOut">
               <a:rPr lang="es-ES" smtClean="0"/>
-              <a:t>05/07/2019</a:t>
+              <a:t>06/07/2019</a:t>
             </a:fld>
             <a:endParaRPr lang="es-ES"/>
           </a:p>
@@ -1754,7 +1749,7 @@
           <a:p>
             <a:fld id="{B21E6384-390C-4D47-A2DD-40123921A03B}" type="datetimeFigureOut">
               <a:rPr lang="es-ES" smtClean="0"/>
-              <a:t>05/07/2019</a:t>
+              <a:t>06/07/2019</a:t>
             </a:fld>
             <a:endParaRPr lang="es-ES"/>
           </a:p>
@@ -1849,7 +1844,7 @@
           <a:p>
             <a:fld id="{B21E6384-390C-4D47-A2DD-40123921A03B}" type="datetimeFigureOut">
               <a:rPr lang="es-ES" smtClean="0"/>
-              <a:t>05/07/2019</a:t>
+              <a:t>06/07/2019</a:t>
             </a:fld>
             <a:endParaRPr lang="es-ES"/>
           </a:p>
@@ -2126,7 +2121,7 @@
           <a:p>
             <a:fld id="{B21E6384-390C-4D47-A2DD-40123921A03B}" type="datetimeFigureOut">
               <a:rPr lang="es-ES" smtClean="0"/>
-              <a:t>05/07/2019</a:t>
+              <a:t>06/07/2019</a:t>
             </a:fld>
             <a:endParaRPr lang="es-ES"/>
           </a:p>
@@ -2379,7 +2374,7 @@
           <a:p>
             <a:fld id="{B21E6384-390C-4D47-A2DD-40123921A03B}" type="datetimeFigureOut">
               <a:rPr lang="es-ES" smtClean="0"/>
-              <a:t>05/07/2019</a:t>
+              <a:t>06/07/2019</a:t>
             </a:fld>
             <a:endParaRPr lang="es-ES"/>
           </a:p>
@@ -2592,7 +2587,7 @@
           <a:p>
             <a:fld id="{B21E6384-390C-4D47-A2DD-40123921A03B}" type="datetimeFigureOut">
               <a:rPr lang="es-ES" smtClean="0"/>
-              <a:t>05/07/2019</a:t>
+              <a:t>06/07/2019</a:t>
             </a:fld>
             <a:endParaRPr lang="es-ES"/>
           </a:p>
@@ -3702,29 +3697,6 @@
       </p:sp>
       <p:pic>
         <p:nvPicPr>
-          <p:cNvPr id="4" name="Picture 3"/>
-          <p:cNvPicPr>
-            <a:picLocks noChangeAspect="1"/>
-          </p:cNvPicPr>
-          <p:nvPr/>
-        </p:nvPicPr>
-        <p:blipFill rotWithShape="1">
-          <a:blip r:embed="rId2"/>
-          <a:srcRect b="69549"/>
-          <a:stretch/>
-        </p:blipFill>
-        <p:spPr>
-          <a:xfrm>
-            <a:off x="4806972" y="2012296"/>
-            <a:ext cx="7288766" cy="1044669"/>
-          </a:xfrm>
-          <a:prstGeom prst="rect">
-            <a:avLst/>
-          </a:prstGeom>
-        </p:spPr>
-      </p:pic>
-      <p:pic>
-        <p:nvPicPr>
           <p:cNvPr id="7" name="Picture 6"/>
           <p:cNvPicPr>
             <a:picLocks noChangeAspect="1"/>
@@ -3763,6 +3735,30 @@
           <a:xfrm>
             <a:off x="4806972" y="4222376"/>
             <a:ext cx="7288766" cy="1220607"/>
+          </a:xfrm>
+          <a:prstGeom prst="rect">
+            <a:avLst/>
+          </a:prstGeom>
+        </p:spPr>
+      </p:pic>
+      <p:pic>
+        <p:nvPicPr>
+          <p:cNvPr id="5" name="Picture 4"/>
+          <p:cNvPicPr>
+            <a:picLocks noChangeAspect="1"/>
+          </p:cNvPicPr>
+          <p:nvPr/>
+        </p:nvPicPr>
+        <p:blipFill>
+          <a:blip r:embed="rId3"/>
+          <a:stretch>
+            <a:fillRect/>
+          </a:stretch>
+        </p:blipFill>
+        <p:spPr>
+          <a:xfrm>
+            <a:off x="4814887" y="1957387"/>
+            <a:ext cx="6438906" cy="1257301"/>
           </a:xfrm>
           <a:prstGeom prst="rect">
             <a:avLst/>
@@ -3903,7 +3899,7 @@
                                           </p:stCondLst>
                                         </p:cTn>
                                         <p:tgtEl>
-                                          <p:spTgt spid="4"/>
+                                          <p:spTgt spid="5"/>
                                         </p:tgtEl>
                                         <p:attrNameLst>
                                           <p:attrName>style.visibility</p:attrName>
@@ -3917,7 +3913,7 @@
                                       <p:cBhvr>
                                         <p:cTn id="14" dur="500"/>
                                         <p:tgtEl>
-                                          <p:spTgt spid="4"/>
+                                          <p:spTgt spid="5"/>
                                         </p:tgtEl>
                                       </p:cBhvr>
                                     </p:animEffect>
@@ -4590,13 +4586,14 @@
           <a:lstStyle/>
           <a:p>
             <a:r>
-              <a:rPr lang="en-US" dirty="0" smtClean="0">
+              <a:rPr lang="bg-BG" dirty="0" smtClean="0">
                 <a:solidFill>
                   <a:srgbClr val="6065D0"/>
                 </a:solidFill>
                 <a:latin typeface="Panton Black Caps" panose="00000400000000000000" pitchFamily="50" charset="0"/>
-              </a:rPr>
-              <a:t>Rain</a:t>
+                <a:cs typeface="Helvetica" panose="020B0604020202020204" pitchFamily="34" charset="0"/>
+              </a:rPr>
+              <a:t>аНИМАЦИИ</a:t>
             </a:r>
             <a:endParaRPr lang="es-ES" dirty="0">
               <a:solidFill>
@@ -4610,7 +4607,7 @@
       </p:sp>
       <p:sp>
         <p:nvSpPr>
-          <p:cNvPr id="5" name="Content Placeholder 4"/>
+          <p:cNvPr id="3" name="Content Placeholder 2"/>
           <p:cNvSpPr>
             <a:spLocks noGrp="1"/>
           </p:cNvSpPr>
@@ -4618,19 +4615,172 @@
             <p:ph idx="1"/>
           </p:nvPr>
         </p:nvSpPr>
-        <p:spPr/>
+        <p:spPr>
+          <a:xfrm>
+            <a:off x="838200" y="1997759"/>
+            <a:ext cx="10515600" cy="4265490"/>
+          </a:xfrm>
+        </p:spPr>
         <p:txBody>
-          <a:bodyPr/>
+          <a:bodyPr>
+            <a:normAutofit fontScale="92500" lnSpcReduction="10000"/>
+          </a:bodyPr>
           <a:lstStyle/>
           <a:p>
-            <a:endParaRPr lang="es-ES" dirty="0"/>
+            <a:pPr>
+              <a:lnSpc>
+                <a:spcPct val="150000"/>
+              </a:lnSpc>
+              <a:buFontTx/>
+              <a:buChar char="-"/>
+            </a:pPr>
+            <a:r>
+              <a:rPr lang="en-US" dirty="0" smtClean="0">
+                <a:latin typeface="Panton Light Caps" panose="00000300000000000000" pitchFamily="50" charset="0"/>
+              </a:rPr>
+              <a:t>rain</a:t>
+            </a:r>
+            <a:endParaRPr lang="es-ES" dirty="0">
+              <a:latin typeface="Panton Light Caps" panose="00000300000000000000" pitchFamily="50" charset="0"/>
+            </a:endParaRPr>
+          </a:p>
+          <a:p>
+            <a:pPr>
+              <a:lnSpc>
+                <a:spcPct val="150000"/>
+              </a:lnSpc>
+              <a:buFontTx/>
+              <a:buChar char="-"/>
+            </a:pPr>
+            <a:r>
+              <a:rPr lang="es-ES" dirty="0" err="1" smtClean="0">
+                <a:latin typeface="Panton Light Caps" panose="00000300000000000000" pitchFamily="50" charset="0"/>
+              </a:rPr>
+              <a:t>planeboing</a:t>
+            </a:r>
+            <a:endParaRPr lang="es-ES" dirty="0">
+              <a:latin typeface="Panton Light Caps" panose="00000300000000000000" pitchFamily="50" charset="0"/>
+            </a:endParaRPr>
+          </a:p>
+          <a:p>
+            <a:pPr>
+              <a:lnSpc>
+                <a:spcPct val="150000"/>
+              </a:lnSpc>
+              <a:buFontTx/>
+              <a:buChar char="-"/>
+            </a:pPr>
+            <a:r>
+              <a:rPr lang="en-US" dirty="0" smtClean="0">
+                <a:latin typeface="Panton Light Caps" panose="00000300000000000000" pitchFamily="50" charset="0"/>
+              </a:rPr>
+              <a:t>symbol</a:t>
+            </a:r>
+            <a:endParaRPr lang="es-ES" dirty="0" smtClean="0">
+              <a:latin typeface="Panton Light Caps" panose="00000300000000000000" pitchFamily="50" charset="0"/>
+            </a:endParaRPr>
+          </a:p>
+          <a:p>
+            <a:pPr>
+              <a:lnSpc>
+                <a:spcPct val="150000"/>
+              </a:lnSpc>
+              <a:buFontTx/>
+              <a:buChar char="-"/>
+            </a:pPr>
+            <a:r>
+              <a:rPr lang="es-ES" dirty="0" err="1" smtClean="0">
+                <a:latin typeface="Panton Light Caps" panose="00000300000000000000" pitchFamily="50" charset="0"/>
+              </a:rPr>
+              <a:t>glow</a:t>
+            </a:r>
+            <a:endParaRPr lang="es-ES" dirty="0">
+              <a:latin typeface="Panton Light Caps" panose="00000300000000000000" pitchFamily="50" charset="0"/>
+            </a:endParaRPr>
+          </a:p>
+          <a:p>
+            <a:pPr>
+              <a:lnSpc>
+                <a:spcPct val="150000"/>
+              </a:lnSpc>
+              <a:buFontTx/>
+              <a:buChar char="-"/>
+            </a:pPr>
+            <a:r>
+              <a:rPr lang="es-ES" dirty="0" err="1" smtClean="0">
+                <a:latin typeface="Panton Light Caps" panose="00000300000000000000" pitchFamily="50" charset="0"/>
+              </a:rPr>
+              <a:t>Sendvoxels</a:t>
+            </a:r>
+            <a:endParaRPr lang="es-ES" dirty="0" smtClean="0">
+              <a:latin typeface="Panton Light Caps" panose="00000300000000000000" pitchFamily="50" charset="0"/>
+            </a:endParaRPr>
+          </a:p>
+          <a:p>
+            <a:pPr>
+              <a:lnSpc>
+                <a:spcPct val="150000"/>
+              </a:lnSpc>
+              <a:buFontTx/>
+              <a:buChar char="-"/>
+            </a:pPr>
+            <a:r>
+              <a:rPr lang="en-US" dirty="0" err="1" smtClean="0">
+                <a:latin typeface="Panton Light Caps" panose="00000300000000000000" pitchFamily="50" charset="0"/>
+              </a:rPr>
+              <a:t>Woop</a:t>
+            </a:r>
+            <a:r>
+              <a:rPr lang="en-US" dirty="0" smtClean="0">
+                <a:latin typeface="Panton Light Caps" panose="00000300000000000000" pitchFamily="50" charset="0"/>
+              </a:rPr>
+              <a:t> </a:t>
+            </a:r>
+            <a:r>
+              <a:rPr lang="en-US" dirty="0" err="1" smtClean="0">
+                <a:latin typeface="Panton Light Caps" panose="00000300000000000000" pitchFamily="50" charset="0"/>
+              </a:rPr>
+              <a:t>woop</a:t>
+            </a:r>
+            <a:endParaRPr lang="es-ES" dirty="0">
+              <a:latin typeface="Panton Light Caps" panose="00000300000000000000" pitchFamily="50" charset="0"/>
+            </a:endParaRPr>
           </a:p>
         </p:txBody>
       </p:sp>
+      <p:pic>
+        <p:nvPicPr>
+          <p:cNvPr id="4" name="Picture 3"/>
+          <p:cNvPicPr>
+            <a:picLocks noChangeAspect="1"/>
+          </p:cNvPicPr>
+          <p:nvPr/>
+        </p:nvPicPr>
+        <p:blipFill rotWithShape="1">
+          <a:blip r:embed="rId2">
+            <a:extLst>
+              <a:ext uri="{28A0092B-C50C-407E-A947-70E740481C1C}">
+                <a14:useLocalDpi xmlns:a14="http://schemas.microsoft.com/office/drawing/2010/main" val="0"/>
+              </a:ext>
+            </a:extLst>
+          </a:blip>
+          <a:srcRect l="9578" r="43084"/>
+          <a:stretch/>
+        </p:blipFill>
+        <p:spPr>
+          <a:xfrm>
+            <a:off x="5100638" y="1384921"/>
+            <a:ext cx="6072682" cy="4015134"/>
+          </a:xfrm>
+          <a:prstGeom prst="rect">
+            <a:avLst/>
+          </a:prstGeom>
+        </p:spPr>
+      </p:pic>
     </p:spTree>
     <p:extLst>
       <p:ext uri="{BB962C8B-B14F-4D97-AF65-F5344CB8AC3E}">
-        <p14:creationId xmlns:p14="http://schemas.microsoft.com/office/powerpoint/2010/main" val="2866104032"/>
+        <p14:creationId xmlns:p14="http://schemas.microsoft.com/office/powerpoint/2010/main" val="2526135885"/>
       </p:ext>
     </p:extLst>
   </p:cSld>
@@ -4643,577 +4793,425 @@
   <p:timing>
     <p:tnLst>
       <p:par>
-        <p:cTn id="1" dur="indefinite" restart="never" nodeType="tmRoot"/>
+        <p:cTn id="1" dur="indefinite" restart="never" nodeType="tmRoot">
+          <p:childTnLst>
+            <p:seq concurrent="1" nextAc="seek">
+              <p:cTn id="2" dur="indefinite" nodeType="mainSeq">
+                <p:childTnLst>
+                  <p:par>
+                    <p:cTn id="3" fill="hold">
+                      <p:stCondLst>
+                        <p:cond delay="indefinite"/>
+                        <p:cond evt="onBegin" delay="0">
+                          <p:tn val="2"/>
+                        </p:cond>
+                      </p:stCondLst>
+                      <p:childTnLst>
+                        <p:par>
+                          <p:cTn id="4" fill="hold">
+                            <p:stCondLst>
+                              <p:cond delay="0"/>
+                            </p:stCondLst>
+                            <p:childTnLst>
+                              <p:par>
+                                <p:cTn id="5" presetID="10" presetClass="entr" presetSubtype="0" fill="hold" grpId="0" nodeType="withEffect">
+                                  <p:stCondLst>
+                                    <p:cond delay="0"/>
+                                  </p:stCondLst>
+                                  <p:childTnLst>
+                                    <p:set>
+                                      <p:cBhvr>
+                                        <p:cTn id="6" dur="1" fill="hold">
+                                          <p:stCondLst>
+                                            <p:cond delay="0"/>
+                                          </p:stCondLst>
+                                        </p:cTn>
+                                        <p:tgtEl>
+                                          <p:spTgt spid="2"/>
+                                        </p:tgtEl>
+                                        <p:attrNameLst>
+                                          <p:attrName>style.visibility</p:attrName>
+                                        </p:attrNameLst>
+                                      </p:cBhvr>
+                                      <p:to>
+                                        <p:strVal val="visible"/>
+                                      </p:to>
+                                    </p:set>
+                                    <p:animEffect transition="in" filter="fade">
+                                      <p:cBhvr>
+                                        <p:cTn id="7" dur="500"/>
+                                        <p:tgtEl>
+                                          <p:spTgt spid="2"/>
+                                        </p:tgtEl>
+                                      </p:cBhvr>
+                                    </p:animEffect>
+                                  </p:childTnLst>
+                                </p:cTn>
+                              </p:par>
+                              <p:par>
+                                <p:cTn id="8" presetID="10" presetClass="entr" presetSubtype="0" fill="hold" nodeType="withEffect">
+                                  <p:stCondLst>
+                                    <p:cond delay="0"/>
+                                  </p:stCondLst>
+                                  <p:childTnLst>
+                                    <p:set>
+                                      <p:cBhvr>
+                                        <p:cTn id="9" dur="1" fill="hold">
+                                          <p:stCondLst>
+                                            <p:cond delay="0"/>
+                                          </p:stCondLst>
+                                        </p:cTn>
+                                        <p:tgtEl>
+                                          <p:spTgt spid="4"/>
+                                        </p:tgtEl>
+                                        <p:attrNameLst>
+                                          <p:attrName>style.visibility</p:attrName>
+                                        </p:attrNameLst>
+                                      </p:cBhvr>
+                                      <p:to>
+                                        <p:strVal val="visible"/>
+                                      </p:to>
+                                    </p:set>
+                                    <p:animEffect transition="in" filter="fade">
+                                      <p:cBhvr>
+                                        <p:cTn id="10" dur="500"/>
+                                        <p:tgtEl>
+                                          <p:spTgt spid="4"/>
+                                        </p:tgtEl>
+                                      </p:cBhvr>
+                                    </p:animEffect>
+                                  </p:childTnLst>
+                                </p:cTn>
+                              </p:par>
+                            </p:childTnLst>
+                          </p:cTn>
+                        </p:par>
+                      </p:childTnLst>
+                    </p:cTn>
+                  </p:par>
+                  <p:par>
+                    <p:cTn id="11" fill="hold">
+                      <p:stCondLst>
+                        <p:cond delay="indefinite"/>
+                      </p:stCondLst>
+                      <p:childTnLst>
+                        <p:par>
+                          <p:cTn id="12" fill="hold">
+                            <p:stCondLst>
+                              <p:cond delay="0"/>
+                            </p:stCondLst>
+                            <p:childTnLst>
+                              <p:par>
+                                <p:cTn id="13" presetID="1" presetClass="entr" presetSubtype="0" fill="hold" nodeType="clickEffect">
+                                  <p:stCondLst>
+                                    <p:cond delay="0"/>
+                                  </p:stCondLst>
+                                  <p:childTnLst>
+                                    <p:set>
+                                      <p:cBhvr>
+                                        <p:cTn id="14" dur="1" fill="hold">
+                                          <p:stCondLst>
+                                            <p:cond delay="0"/>
+                                          </p:stCondLst>
+                                        </p:cTn>
+                                        <p:tgtEl>
+                                          <p:spTgt spid="3">
+                                            <p:txEl>
+                                              <p:pRg st="1" end="1"/>
+                                            </p:txEl>
+                                          </p:spTgt>
+                                        </p:tgtEl>
+                                        <p:attrNameLst>
+                                          <p:attrName>style.visibility</p:attrName>
+                                        </p:attrNameLst>
+                                      </p:cBhvr>
+                                      <p:to>
+                                        <p:strVal val="visible"/>
+                                      </p:to>
+                                    </p:set>
+                                  </p:childTnLst>
+                                </p:cTn>
+                              </p:par>
+                            </p:childTnLst>
+                          </p:cTn>
+                        </p:par>
+                      </p:childTnLst>
+                    </p:cTn>
+                  </p:par>
+                  <p:par>
+                    <p:cTn id="15" fill="hold">
+                      <p:stCondLst>
+                        <p:cond delay="indefinite"/>
+                      </p:stCondLst>
+                      <p:childTnLst>
+                        <p:par>
+                          <p:cTn id="16" fill="hold">
+                            <p:stCondLst>
+                              <p:cond delay="0"/>
+                            </p:stCondLst>
+                            <p:childTnLst>
+                              <p:par>
+                                <p:cTn id="17" presetID="1" presetClass="entr" presetSubtype="0" fill="hold" nodeType="clickEffect">
+                                  <p:stCondLst>
+                                    <p:cond delay="0"/>
+                                  </p:stCondLst>
+                                  <p:childTnLst>
+                                    <p:set>
+                                      <p:cBhvr>
+                                        <p:cTn id="18" dur="1" fill="hold">
+                                          <p:stCondLst>
+                                            <p:cond delay="0"/>
+                                          </p:stCondLst>
+                                        </p:cTn>
+                                        <p:tgtEl>
+                                          <p:spTgt spid="3">
+                                            <p:txEl>
+                                              <p:pRg st="2" end="2"/>
+                                            </p:txEl>
+                                          </p:spTgt>
+                                        </p:tgtEl>
+                                        <p:attrNameLst>
+                                          <p:attrName>style.visibility</p:attrName>
+                                        </p:attrNameLst>
+                                      </p:cBhvr>
+                                      <p:to>
+                                        <p:strVal val="visible"/>
+                                      </p:to>
+                                    </p:set>
+                                  </p:childTnLst>
+                                </p:cTn>
+                              </p:par>
+                            </p:childTnLst>
+                          </p:cTn>
+                        </p:par>
+                      </p:childTnLst>
+                    </p:cTn>
+                  </p:par>
+                  <p:par>
+                    <p:cTn id="19" fill="hold">
+                      <p:stCondLst>
+                        <p:cond delay="indefinite"/>
+                      </p:stCondLst>
+                      <p:childTnLst>
+                        <p:par>
+                          <p:cTn id="20" fill="hold">
+                            <p:stCondLst>
+                              <p:cond delay="0"/>
+                            </p:stCondLst>
+                            <p:childTnLst>
+                              <p:par>
+                                <p:cTn id="21" presetID="1" presetClass="entr" presetSubtype="0" fill="hold" nodeType="clickEffect">
+                                  <p:stCondLst>
+                                    <p:cond delay="0"/>
+                                  </p:stCondLst>
+                                  <p:childTnLst>
+                                    <p:set>
+                                      <p:cBhvr>
+                                        <p:cTn id="22" dur="1" fill="hold">
+                                          <p:stCondLst>
+                                            <p:cond delay="0"/>
+                                          </p:stCondLst>
+                                        </p:cTn>
+                                        <p:tgtEl>
+                                          <p:spTgt spid="3">
+                                            <p:txEl>
+                                              <p:pRg st="0" end="0"/>
+                                            </p:txEl>
+                                          </p:spTgt>
+                                        </p:tgtEl>
+                                        <p:attrNameLst>
+                                          <p:attrName>style.visibility</p:attrName>
+                                        </p:attrNameLst>
+                                      </p:cBhvr>
+                                      <p:to>
+                                        <p:strVal val="visible"/>
+                                      </p:to>
+                                    </p:set>
+                                  </p:childTnLst>
+                                </p:cTn>
+                              </p:par>
+                            </p:childTnLst>
+                          </p:cTn>
+                        </p:par>
+                      </p:childTnLst>
+                    </p:cTn>
+                  </p:par>
+                  <p:par>
+                    <p:cTn id="23" fill="hold">
+                      <p:stCondLst>
+                        <p:cond delay="indefinite"/>
+                      </p:stCondLst>
+                      <p:childTnLst>
+                        <p:par>
+                          <p:cTn id="24" fill="hold">
+                            <p:stCondLst>
+                              <p:cond delay="0"/>
+                            </p:stCondLst>
+                            <p:childTnLst>
+                              <p:par>
+                                <p:cTn id="25" presetID="1" presetClass="entr" presetSubtype="0" fill="hold" nodeType="clickEffect">
+                                  <p:stCondLst>
+                                    <p:cond delay="0"/>
+                                  </p:stCondLst>
+                                  <p:childTnLst>
+                                    <p:set>
+                                      <p:cBhvr>
+                                        <p:cTn id="26" dur="1" fill="hold">
+                                          <p:stCondLst>
+                                            <p:cond delay="0"/>
+                                          </p:stCondLst>
+                                        </p:cTn>
+                                        <p:tgtEl>
+                                          <p:spTgt spid="3">
+                                            <p:txEl>
+                                              <p:pRg st="3" end="3"/>
+                                            </p:txEl>
+                                          </p:spTgt>
+                                        </p:tgtEl>
+                                        <p:attrNameLst>
+                                          <p:attrName>style.visibility</p:attrName>
+                                        </p:attrNameLst>
+                                      </p:cBhvr>
+                                      <p:to>
+                                        <p:strVal val="visible"/>
+                                      </p:to>
+                                    </p:set>
+                                  </p:childTnLst>
+                                </p:cTn>
+                              </p:par>
+                            </p:childTnLst>
+                          </p:cTn>
+                        </p:par>
+                      </p:childTnLst>
+                    </p:cTn>
+                  </p:par>
+                  <p:par>
+                    <p:cTn id="27" fill="hold">
+                      <p:stCondLst>
+                        <p:cond delay="indefinite"/>
+                      </p:stCondLst>
+                      <p:childTnLst>
+                        <p:par>
+                          <p:cTn id="28" fill="hold">
+                            <p:stCondLst>
+                              <p:cond delay="0"/>
+                            </p:stCondLst>
+                            <p:childTnLst>
+                              <p:par>
+                                <p:cTn id="29" presetID="1" presetClass="entr" presetSubtype="0" fill="hold" nodeType="clickEffect">
+                                  <p:stCondLst>
+                                    <p:cond delay="0"/>
+                                  </p:stCondLst>
+                                  <p:childTnLst>
+                                    <p:set>
+                                      <p:cBhvr>
+                                        <p:cTn id="30" dur="1" fill="hold">
+                                          <p:stCondLst>
+                                            <p:cond delay="0"/>
+                                          </p:stCondLst>
+                                        </p:cTn>
+                                        <p:tgtEl>
+                                          <p:spTgt spid="3">
+                                            <p:txEl>
+                                              <p:pRg st="4" end="4"/>
+                                            </p:txEl>
+                                          </p:spTgt>
+                                        </p:tgtEl>
+                                        <p:attrNameLst>
+                                          <p:attrName>style.visibility</p:attrName>
+                                        </p:attrNameLst>
+                                      </p:cBhvr>
+                                      <p:to>
+                                        <p:strVal val="visible"/>
+                                      </p:to>
+                                    </p:set>
+                                  </p:childTnLst>
+                                </p:cTn>
+                              </p:par>
+                            </p:childTnLst>
+                          </p:cTn>
+                        </p:par>
+                      </p:childTnLst>
+                    </p:cTn>
+                  </p:par>
+                  <p:par>
+                    <p:cTn id="31" fill="hold">
+                      <p:stCondLst>
+                        <p:cond delay="indefinite"/>
+                      </p:stCondLst>
+                      <p:childTnLst>
+                        <p:par>
+                          <p:cTn id="32" fill="hold">
+                            <p:stCondLst>
+                              <p:cond delay="0"/>
+                            </p:stCondLst>
+                            <p:childTnLst>
+                              <p:par>
+                                <p:cTn id="33" presetID="1" presetClass="entr" presetSubtype="0" fill="hold" nodeType="clickEffect">
+                                  <p:stCondLst>
+                                    <p:cond delay="0"/>
+                                  </p:stCondLst>
+                                  <p:childTnLst>
+                                    <p:set>
+                                      <p:cBhvr>
+                                        <p:cTn id="34" dur="1" fill="hold">
+                                          <p:stCondLst>
+                                            <p:cond delay="0"/>
+                                          </p:stCondLst>
+                                        </p:cTn>
+                                        <p:tgtEl>
+                                          <p:spTgt spid="3">
+                                            <p:txEl>
+                                              <p:pRg st="5" end="5"/>
+                                            </p:txEl>
+                                          </p:spTgt>
+                                        </p:tgtEl>
+                                        <p:attrNameLst>
+                                          <p:attrName>style.visibility</p:attrName>
+                                        </p:attrNameLst>
+                                      </p:cBhvr>
+                                      <p:to>
+                                        <p:strVal val="visible"/>
+                                      </p:to>
+                                    </p:set>
+                                  </p:childTnLst>
+                                </p:cTn>
+                              </p:par>
+                            </p:childTnLst>
+                          </p:cTn>
+                        </p:par>
+                      </p:childTnLst>
+                    </p:cTn>
+                  </p:par>
+                </p:childTnLst>
+              </p:cTn>
+              <p:prevCondLst>
+                <p:cond evt="onPrev" delay="0">
+                  <p:tgtEl>
+                    <p:sldTgt/>
+                  </p:tgtEl>
+                </p:cond>
+              </p:prevCondLst>
+              <p:nextCondLst>
+                <p:cond evt="onNext" delay="0">
+                  <p:tgtEl>
+                    <p:sldTgt/>
+                  </p:tgtEl>
+                </p:cond>
+              </p:nextCondLst>
+            </p:seq>
+          </p:childTnLst>
+        </p:cTn>
       </p:par>
     </p:tnLst>
+    <p:bldLst>
+      <p:bldP spid="2" grpId="0"/>
+    </p:bldLst>
   </p:timing>
 </p:sld>
 </file>
 
 <file path=ppt/slides/slide13.xml><?xml version="1.0" encoding="utf-8"?>
-<p:sld xmlns:a="http://schemas.openxmlformats.org/drawingml/2006/main" xmlns:r="http://schemas.openxmlformats.org/officeDocument/2006/relationships" xmlns:p="http://schemas.openxmlformats.org/presentationml/2006/main">
-  <p:cSld>
-    <p:spTree>
-      <p:nvGrpSpPr>
-        <p:cNvPr id="1" name=""/>
-        <p:cNvGrpSpPr/>
-        <p:nvPr/>
-      </p:nvGrpSpPr>
-      <p:grpSpPr>
-        <a:xfrm>
-          <a:off x="0" y="0"/>
-          <a:ext cx="0" cy="0"/>
-          <a:chOff x="0" y="0"/>
-          <a:chExt cx="0" cy="0"/>
-        </a:xfrm>
-      </p:grpSpPr>
-      <p:sp>
-        <p:nvSpPr>
-          <p:cNvPr id="2" name="Title 1"/>
-          <p:cNvSpPr>
-            <a:spLocks noGrp="1"/>
-          </p:cNvSpPr>
-          <p:nvPr>
-            <p:ph type="title"/>
-          </p:nvPr>
-        </p:nvSpPr>
-        <p:spPr>
-          <a:xfrm>
-            <a:off x="838199" y="814577"/>
-            <a:ext cx="8327571" cy="921234"/>
-          </a:xfrm>
-        </p:spPr>
-        <p:txBody>
-          <a:bodyPr>
-            <a:normAutofit/>
-          </a:bodyPr>
-          <a:lstStyle/>
-          <a:p>
-            <a:r>
-              <a:rPr lang="en-US" dirty="0" smtClean="0">
-                <a:solidFill>
-                  <a:srgbClr val="6065D0"/>
-                </a:solidFill>
-                <a:latin typeface="Panton Black Caps" panose="00000400000000000000" pitchFamily="50" charset="0"/>
-              </a:rPr>
-              <a:t>Plane boing</a:t>
-            </a:r>
-            <a:endParaRPr lang="es-ES" dirty="0">
-              <a:solidFill>
-                <a:srgbClr val="6065D0"/>
-              </a:solidFill>
-              <a:latin typeface="Panton Black Caps" panose="00000400000000000000" pitchFamily="50" charset="0"/>
-              <a:cs typeface="Helvetica" panose="020B0604020202020204" pitchFamily="34" charset="0"/>
-            </a:endParaRPr>
-          </a:p>
-        </p:txBody>
-      </p:sp>
-      <p:sp>
-        <p:nvSpPr>
-          <p:cNvPr id="5" name="Content Placeholder 4"/>
-          <p:cNvSpPr>
-            <a:spLocks noGrp="1"/>
-          </p:cNvSpPr>
-          <p:nvPr>
-            <p:ph idx="1"/>
-          </p:nvPr>
-        </p:nvSpPr>
-        <p:spPr/>
-        <p:txBody>
-          <a:bodyPr/>
-          <a:lstStyle/>
-          <a:p>
-            <a:endParaRPr lang="es-ES" dirty="0"/>
-          </a:p>
-        </p:txBody>
-      </p:sp>
-    </p:spTree>
-    <p:extLst>
-      <p:ext uri="{BB962C8B-B14F-4D97-AF65-F5344CB8AC3E}">
-        <p14:creationId xmlns:p14="http://schemas.microsoft.com/office/powerpoint/2010/main" val="2218281566"/>
-      </p:ext>
-    </p:extLst>
-  </p:cSld>
-  <p:clrMapOvr>
-    <a:masterClrMapping/>
-  </p:clrMapOvr>
-  <mc:AlternateContent xmlns:mc="http://schemas.openxmlformats.org/markup-compatibility/2006">
-    <mc:Choice xmlns:p14="http://schemas.microsoft.com/office/powerpoint/2010/main" Requires="p14">
-      <p:transition p14:dur="100">
-        <p:cut/>
-      </p:transition>
-    </mc:Choice>
-    <mc:Fallback>
-      <p:transition>
-        <p:cut/>
-      </p:transition>
-    </mc:Fallback>
-  </mc:AlternateContent>
-  <p:timing>
-    <p:tnLst>
-      <p:par>
-        <p:cTn id="1" dur="indefinite" restart="never" nodeType="tmRoot"/>
-      </p:par>
-    </p:tnLst>
-  </p:timing>
-</p:sld>
-</file>
-
-<file path=ppt/slides/slide14.xml><?xml version="1.0" encoding="utf-8"?>
-<p:sld xmlns:a="http://schemas.openxmlformats.org/drawingml/2006/main" xmlns:r="http://schemas.openxmlformats.org/officeDocument/2006/relationships" xmlns:p="http://schemas.openxmlformats.org/presentationml/2006/main">
-  <p:cSld>
-    <p:spTree>
-      <p:nvGrpSpPr>
-        <p:cNvPr id="1" name=""/>
-        <p:cNvGrpSpPr/>
-        <p:nvPr/>
-      </p:nvGrpSpPr>
-      <p:grpSpPr>
-        <a:xfrm>
-          <a:off x="0" y="0"/>
-          <a:ext cx="0" cy="0"/>
-          <a:chOff x="0" y="0"/>
-          <a:chExt cx="0" cy="0"/>
-        </a:xfrm>
-      </p:grpSpPr>
-      <p:sp>
-        <p:nvSpPr>
-          <p:cNvPr id="2" name="Title 1"/>
-          <p:cNvSpPr>
-            <a:spLocks noGrp="1"/>
-          </p:cNvSpPr>
-          <p:nvPr>
-            <p:ph type="title"/>
-          </p:nvPr>
-        </p:nvSpPr>
-        <p:spPr>
-          <a:xfrm>
-            <a:off x="838199" y="814577"/>
-            <a:ext cx="8327571" cy="921234"/>
-          </a:xfrm>
-        </p:spPr>
-        <p:txBody>
-          <a:bodyPr>
-            <a:normAutofit/>
-          </a:bodyPr>
-          <a:lstStyle/>
-          <a:p>
-            <a:r>
-              <a:rPr lang="en-US" dirty="0" smtClean="0">
-                <a:solidFill>
-                  <a:srgbClr val="6065D0"/>
-                </a:solidFill>
-                <a:latin typeface="Panton Black Caps" panose="00000400000000000000" pitchFamily="50" charset="0"/>
-              </a:rPr>
-              <a:t>Symbol</a:t>
-            </a:r>
-            <a:endParaRPr lang="es-ES" dirty="0">
-              <a:solidFill>
-                <a:srgbClr val="6065D0"/>
-              </a:solidFill>
-              <a:latin typeface="Panton Black Caps" panose="00000400000000000000" pitchFamily="50" charset="0"/>
-              <a:cs typeface="Helvetica" panose="020B0604020202020204" pitchFamily="34" charset="0"/>
-            </a:endParaRPr>
-          </a:p>
-        </p:txBody>
-      </p:sp>
-      <p:sp>
-        <p:nvSpPr>
-          <p:cNvPr id="5" name="Content Placeholder 4"/>
-          <p:cNvSpPr>
-            <a:spLocks noGrp="1"/>
-          </p:cNvSpPr>
-          <p:nvPr>
-            <p:ph idx="1"/>
-          </p:nvPr>
-        </p:nvSpPr>
-        <p:spPr/>
-        <p:txBody>
-          <a:bodyPr/>
-          <a:lstStyle/>
-          <a:p>
-            <a:endParaRPr lang="es-ES" dirty="0"/>
-          </a:p>
-        </p:txBody>
-      </p:sp>
-    </p:spTree>
-    <p:extLst>
-      <p:ext uri="{BB962C8B-B14F-4D97-AF65-F5344CB8AC3E}">
-        <p14:creationId xmlns:p14="http://schemas.microsoft.com/office/powerpoint/2010/main" val="189979978"/>
-      </p:ext>
-    </p:extLst>
-  </p:cSld>
-  <p:clrMapOvr>
-    <a:masterClrMapping/>
-  </p:clrMapOvr>
-  <mc:AlternateContent xmlns:mc="http://schemas.openxmlformats.org/markup-compatibility/2006">
-    <mc:Choice xmlns:p14="http://schemas.microsoft.com/office/powerpoint/2010/main" Requires="p14">
-      <p:transition p14:dur="100">
-        <p:cut/>
-      </p:transition>
-    </mc:Choice>
-    <mc:Fallback>
-      <p:transition>
-        <p:cut/>
-      </p:transition>
-    </mc:Fallback>
-  </mc:AlternateContent>
-  <p:timing>
-    <p:tnLst>
-      <p:par>
-        <p:cTn id="1" dur="indefinite" restart="never" nodeType="tmRoot"/>
-      </p:par>
-    </p:tnLst>
-  </p:timing>
-</p:sld>
-</file>
-
-<file path=ppt/slides/slide15.xml><?xml version="1.0" encoding="utf-8"?>
-<p:sld xmlns:a="http://schemas.openxmlformats.org/drawingml/2006/main" xmlns:r="http://schemas.openxmlformats.org/officeDocument/2006/relationships" xmlns:p="http://schemas.openxmlformats.org/presentationml/2006/main">
-  <p:cSld>
-    <p:spTree>
-      <p:nvGrpSpPr>
-        <p:cNvPr id="1" name=""/>
-        <p:cNvGrpSpPr/>
-        <p:nvPr/>
-      </p:nvGrpSpPr>
-      <p:grpSpPr>
-        <a:xfrm>
-          <a:off x="0" y="0"/>
-          <a:ext cx="0" cy="0"/>
-          <a:chOff x="0" y="0"/>
-          <a:chExt cx="0" cy="0"/>
-        </a:xfrm>
-      </p:grpSpPr>
-      <p:sp>
-        <p:nvSpPr>
-          <p:cNvPr id="2" name="Title 1"/>
-          <p:cNvSpPr>
-            <a:spLocks noGrp="1"/>
-          </p:cNvSpPr>
-          <p:nvPr>
-            <p:ph type="title"/>
-          </p:nvPr>
-        </p:nvSpPr>
-        <p:spPr>
-          <a:xfrm>
-            <a:off x="838199" y="814577"/>
-            <a:ext cx="8327571" cy="921234"/>
-          </a:xfrm>
-        </p:spPr>
-        <p:txBody>
-          <a:bodyPr>
-            <a:normAutofit/>
-          </a:bodyPr>
-          <a:lstStyle/>
-          <a:p>
-            <a:r>
-              <a:rPr lang="en-US" dirty="0" smtClean="0">
-                <a:solidFill>
-                  <a:srgbClr val="6065D0"/>
-                </a:solidFill>
-                <a:latin typeface="Panton Black Caps" panose="00000400000000000000" pitchFamily="50" charset="0"/>
-              </a:rPr>
-              <a:t>glow</a:t>
-            </a:r>
-            <a:endParaRPr lang="es-ES" dirty="0">
-              <a:solidFill>
-                <a:srgbClr val="6065D0"/>
-              </a:solidFill>
-              <a:latin typeface="Panton Black Caps" panose="00000400000000000000" pitchFamily="50" charset="0"/>
-              <a:cs typeface="Helvetica" panose="020B0604020202020204" pitchFamily="34" charset="0"/>
-            </a:endParaRPr>
-          </a:p>
-        </p:txBody>
-      </p:sp>
-      <p:sp>
-        <p:nvSpPr>
-          <p:cNvPr id="5" name="Content Placeholder 4"/>
-          <p:cNvSpPr>
-            <a:spLocks noGrp="1"/>
-          </p:cNvSpPr>
-          <p:nvPr>
-            <p:ph idx="1"/>
-          </p:nvPr>
-        </p:nvSpPr>
-        <p:spPr/>
-        <p:txBody>
-          <a:bodyPr/>
-          <a:lstStyle/>
-          <a:p>
-            <a:endParaRPr lang="es-ES" dirty="0"/>
-          </a:p>
-        </p:txBody>
-      </p:sp>
-    </p:spTree>
-    <p:extLst>
-      <p:ext uri="{BB962C8B-B14F-4D97-AF65-F5344CB8AC3E}">
-        <p14:creationId xmlns:p14="http://schemas.microsoft.com/office/powerpoint/2010/main" val="2928348659"/>
-      </p:ext>
-    </p:extLst>
-  </p:cSld>
-  <p:clrMapOvr>
-    <a:masterClrMapping/>
-  </p:clrMapOvr>
-  <mc:AlternateContent xmlns:mc="http://schemas.openxmlformats.org/markup-compatibility/2006">
-    <mc:Choice xmlns:p14="http://schemas.microsoft.com/office/powerpoint/2010/main" Requires="p14">
-      <p:transition p14:dur="100">
-        <p:cut/>
-      </p:transition>
-    </mc:Choice>
-    <mc:Fallback>
-      <p:transition>
-        <p:cut/>
-      </p:transition>
-    </mc:Fallback>
-  </mc:AlternateContent>
-  <p:timing>
-    <p:tnLst>
-      <p:par>
-        <p:cTn id="1" dur="indefinite" restart="never" nodeType="tmRoot"/>
-      </p:par>
-    </p:tnLst>
-  </p:timing>
-</p:sld>
-</file>
-
-<file path=ppt/slides/slide16.xml><?xml version="1.0" encoding="utf-8"?>
-<p:sld xmlns:a="http://schemas.openxmlformats.org/drawingml/2006/main" xmlns:r="http://schemas.openxmlformats.org/officeDocument/2006/relationships" xmlns:p="http://schemas.openxmlformats.org/presentationml/2006/main">
-  <p:cSld>
-    <p:spTree>
-      <p:nvGrpSpPr>
-        <p:cNvPr id="1" name=""/>
-        <p:cNvGrpSpPr/>
-        <p:nvPr/>
-      </p:nvGrpSpPr>
-      <p:grpSpPr>
-        <a:xfrm>
-          <a:off x="0" y="0"/>
-          <a:ext cx="0" cy="0"/>
-          <a:chOff x="0" y="0"/>
-          <a:chExt cx="0" cy="0"/>
-        </a:xfrm>
-      </p:grpSpPr>
-      <p:sp>
-        <p:nvSpPr>
-          <p:cNvPr id="2" name="Title 1"/>
-          <p:cNvSpPr>
-            <a:spLocks noGrp="1"/>
-          </p:cNvSpPr>
-          <p:nvPr>
-            <p:ph type="title"/>
-          </p:nvPr>
-        </p:nvSpPr>
-        <p:spPr>
-          <a:xfrm>
-            <a:off x="838199" y="814577"/>
-            <a:ext cx="8327571" cy="921234"/>
-          </a:xfrm>
-        </p:spPr>
-        <p:txBody>
-          <a:bodyPr>
-            <a:normAutofit/>
-          </a:bodyPr>
-          <a:lstStyle/>
-          <a:p>
-            <a:r>
-              <a:rPr lang="en-US" dirty="0" smtClean="0">
-                <a:solidFill>
-                  <a:srgbClr val="6065D0"/>
-                </a:solidFill>
-                <a:latin typeface="Panton Black Caps" panose="00000400000000000000" pitchFamily="50" charset="0"/>
-              </a:rPr>
-              <a:t>Send Voxels</a:t>
-            </a:r>
-            <a:endParaRPr lang="es-ES" dirty="0">
-              <a:solidFill>
-                <a:srgbClr val="6065D0"/>
-              </a:solidFill>
-              <a:latin typeface="Panton Black Caps" panose="00000400000000000000" pitchFamily="50" charset="0"/>
-              <a:cs typeface="Helvetica" panose="020B0604020202020204" pitchFamily="34" charset="0"/>
-            </a:endParaRPr>
-          </a:p>
-        </p:txBody>
-      </p:sp>
-      <p:sp>
-        <p:nvSpPr>
-          <p:cNvPr id="5" name="Content Placeholder 4"/>
-          <p:cNvSpPr>
-            <a:spLocks noGrp="1"/>
-          </p:cNvSpPr>
-          <p:nvPr>
-            <p:ph idx="1"/>
-          </p:nvPr>
-        </p:nvSpPr>
-        <p:spPr/>
-        <p:txBody>
-          <a:bodyPr/>
-          <a:lstStyle/>
-          <a:p>
-            <a:endParaRPr lang="es-ES" dirty="0"/>
-          </a:p>
-        </p:txBody>
-      </p:sp>
-    </p:spTree>
-    <p:extLst>
-      <p:ext uri="{BB962C8B-B14F-4D97-AF65-F5344CB8AC3E}">
-        <p14:creationId xmlns:p14="http://schemas.microsoft.com/office/powerpoint/2010/main" val="1111993533"/>
-      </p:ext>
-    </p:extLst>
-  </p:cSld>
-  <p:clrMapOvr>
-    <a:masterClrMapping/>
-  </p:clrMapOvr>
-  <mc:AlternateContent xmlns:mc="http://schemas.openxmlformats.org/markup-compatibility/2006">
-    <mc:Choice xmlns:p14="http://schemas.microsoft.com/office/powerpoint/2010/main" Requires="p14">
-      <p:transition p14:dur="100">
-        <p:cut/>
-      </p:transition>
-    </mc:Choice>
-    <mc:Fallback>
-      <p:transition>
-        <p:cut/>
-      </p:transition>
-    </mc:Fallback>
-  </mc:AlternateContent>
-  <p:timing>
-    <p:tnLst>
-      <p:par>
-        <p:cTn id="1" dur="indefinite" restart="never" nodeType="tmRoot"/>
-      </p:par>
-    </p:tnLst>
-  </p:timing>
-</p:sld>
-</file>
-
-<file path=ppt/slides/slide17.xml><?xml version="1.0" encoding="utf-8"?>
-<p:sld xmlns:a="http://schemas.openxmlformats.org/drawingml/2006/main" xmlns:r="http://schemas.openxmlformats.org/officeDocument/2006/relationships" xmlns:p="http://schemas.openxmlformats.org/presentationml/2006/main">
-  <p:cSld>
-    <p:spTree>
-      <p:nvGrpSpPr>
-        <p:cNvPr id="1" name=""/>
-        <p:cNvGrpSpPr/>
-        <p:nvPr/>
-      </p:nvGrpSpPr>
-      <p:grpSpPr>
-        <a:xfrm>
-          <a:off x="0" y="0"/>
-          <a:ext cx="0" cy="0"/>
-          <a:chOff x="0" y="0"/>
-          <a:chExt cx="0" cy="0"/>
-        </a:xfrm>
-      </p:grpSpPr>
-      <p:sp>
-        <p:nvSpPr>
-          <p:cNvPr id="2" name="Title 1"/>
-          <p:cNvSpPr>
-            <a:spLocks noGrp="1"/>
-          </p:cNvSpPr>
-          <p:nvPr>
-            <p:ph type="title"/>
-          </p:nvPr>
-        </p:nvSpPr>
-        <p:spPr>
-          <a:xfrm>
-            <a:off x="838199" y="814577"/>
-            <a:ext cx="8327571" cy="921234"/>
-          </a:xfrm>
-        </p:spPr>
-        <p:txBody>
-          <a:bodyPr>
-            <a:normAutofit/>
-          </a:bodyPr>
-          <a:lstStyle/>
-          <a:p>
-            <a:r>
-              <a:rPr lang="en-US" dirty="0" err="1" smtClean="0">
-                <a:solidFill>
-                  <a:srgbClr val="6065D0"/>
-                </a:solidFill>
-                <a:latin typeface="Panton Black Caps" panose="00000400000000000000" pitchFamily="50" charset="0"/>
-              </a:rPr>
-              <a:t>Woop</a:t>
-            </a:r>
-            <a:r>
-              <a:rPr lang="en-US" dirty="0" smtClean="0">
-                <a:solidFill>
-                  <a:srgbClr val="6065D0"/>
-                </a:solidFill>
-                <a:latin typeface="Panton Black Caps" panose="00000400000000000000" pitchFamily="50" charset="0"/>
-              </a:rPr>
-              <a:t> </a:t>
-            </a:r>
-            <a:r>
-              <a:rPr lang="en-US" dirty="0" err="1" smtClean="0">
-                <a:solidFill>
-                  <a:srgbClr val="6065D0"/>
-                </a:solidFill>
-                <a:latin typeface="Panton Black Caps" panose="00000400000000000000" pitchFamily="50" charset="0"/>
-              </a:rPr>
-              <a:t>Woop</a:t>
-            </a:r>
-            <a:endParaRPr lang="es-ES" dirty="0">
-              <a:solidFill>
-                <a:srgbClr val="6065D0"/>
-              </a:solidFill>
-              <a:latin typeface="Panton Black Caps" panose="00000400000000000000" pitchFamily="50" charset="0"/>
-              <a:cs typeface="Helvetica" panose="020B0604020202020204" pitchFamily="34" charset="0"/>
-            </a:endParaRPr>
-          </a:p>
-        </p:txBody>
-      </p:sp>
-      <p:sp>
-        <p:nvSpPr>
-          <p:cNvPr id="5" name="Content Placeholder 4"/>
-          <p:cNvSpPr>
-            <a:spLocks noGrp="1"/>
-          </p:cNvSpPr>
-          <p:nvPr>
-            <p:ph idx="1"/>
-          </p:nvPr>
-        </p:nvSpPr>
-        <p:spPr/>
-        <p:txBody>
-          <a:bodyPr/>
-          <a:lstStyle/>
-          <a:p>
-            <a:endParaRPr lang="es-ES" dirty="0"/>
-          </a:p>
-        </p:txBody>
-      </p:sp>
-    </p:spTree>
-    <p:extLst>
-      <p:ext uri="{BB962C8B-B14F-4D97-AF65-F5344CB8AC3E}">
-        <p14:creationId xmlns:p14="http://schemas.microsoft.com/office/powerpoint/2010/main" val="1067869043"/>
-      </p:ext>
-    </p:extLst>
-  </p:cSld>
-  <p:clrMapOvr>
-    <a:masterClrMapping/>
-  </p:clrMapOvr>
-  <mc:AlternateContent xmlns:mc="http://schemas.openxmlformats.org/markup-compatibility/2006">
-    <mc:Choice xmlns:p14="http://schemas.microsoft.com/office/powerpoint/2010/main" Requires="p14">
-      <p:transition p14:dur="100">
-        <p:cut/>
-      </p:transition>
-    </mc:Choice>
-    <mc:Fallback>
-      <p:transition>
-        <p:cut/>
-      </p:transition>
-    </mc:Fallback>
-  </mc:AlternateContent>
-  <p:timing>
-    <p:tnLst>
-      <p:par>
-        <p:cTn id="1" dur="indefinite" restart="never" nodeType="tmRoot"/>
-      </p:par>
-    </p:tnLst>
-  </p:timing>
-</p:sld>
-</file>
-
-<file path=ppt/slides/slide18.xml><?xml version="1.0" encoding="utf-8"?>
 <p:sld xmlns:a="http://schemas.openxmlformats.org/drawingml/2006/main" xmlns:r="http://schemas.openxmlformats.org/officeDocument/2006/relationships" xmlns:p="http://schemas.openxmlformats.org/presentationml/2006/main">
   <p:cSld>
     <p:spTree>
@@ -5282,13 +5280,13 @@
   <p:clrMapOvr>
     <a:masterClrMapping/>
   </p:clrMapOvr>
-  <mc:AlternateContent xmlns:mc="http://schemas.openxmlformats.org/markup-compatibility/2006">
-    <mc:Choice xmlns:p14="http://schemas.microsoft.com/office/powerpoint/2010/main" Requires="p14">
+  <mc:AlternateContent xmlns:mc="http://schemas.openxmlformats.org/markup-compatibility/2006" xmlns:p14="http://schemas.microsoft.com/office/powerpoint/2010/main">
+    <mc:Choice Requires="p14">
       <p:transition spd="med" p14:dur="700">
         <p:fade/>
       </p:transition>
     </mc:Choice>
-    <mc:Fallback>
+    <mc:Fallback xmlns="">
       <p:transition spd="med">
         <p:fade/>
       </p:transition>
@@ -6675,7 +6673,7 @@
         <p:spPr>
           <a:xfrm>
             <a:off x="6096000" y="2006723"/>
-            <a:ext cx="5107619" cy="3417533"/>
+            <a:ext cx="5107619" cy="4236915"/>
           </a:xfrm>
         </p:spPr>
         <p:txBody>
@@ -6757,7 +6755,22 @@
               <a:rPr lang="ru-RU" dirty="0" smtClean="0">
                 <a:latin typeface="Panton Light Caps" panose="00000300000000000000" pitchFamily="50" charset="0"/>
               </a:rPr>
-              <a:t>анимации</a:t>
+              <a:t>Анимации</a:t>
+            </a:r>
+          </a:p>
+          <a:p>
+            <a:pPr>
+              <a:lnSpc>
+                <a:spcPct val="150000"/>
+              </a:lnSpc>
+              <a:buFontTx/>
+              <a:buChar char="-"/>
+            </a:pPr>
+            <a:r>
+              <a:rPr lang="en-US" dirty="0" smtClean="0">
+                <a:latin typeface="Panton Light Caps" panose="00000300000000000000" pitchFamily="50" charset="0"/>
+              </a:rPr>
+              <a:t>DEBUG</a:t>
             </a:r>
             <a:endParaRPr lang="ru-RU" dirty="0">
               <a:latin typeface="Panton Light Caps" panose="00000300000000000000" pitchFamily="50" charset="0"/>
@@ -7083,6 +7096,55 @@
                                           <p:spTgt spid="3">
                                             <p:txEl>
                                               <p:pRg st="3" end="3"/>
+                                            </p:txEl>
+                                          </p:spTgt>
+                                        </p:tgtEl>
+                                        <p:attrNameLst>
+                                          <p:attrName>style.visibility</p:attrName>
+                                        </p:attrNameLst>
+                                      </p:cBhvr>
+                                      <p:to>
+                                        <p:strVal val="visible"/>
+                                      </p:to>
+                                    </p:set>
+                                  </p:childTnLst>
+                                </p:cTn>
+                              </p:par>
+                            </p:childTnLst>
+                          </p:cTn>
+                        </p:par>
+                      </p:childTnLst>
+                    </p:cTn>
+                  </p:par>
+                  <p:par>
+                    <p:cTn id="27" fill="hold">
+                      <p:stCondLst>
+                        <p:cond delay="indefinite"/>
+                      </p:stCondLst>
+                      <p:childTnLst>
+                        <p:par>
+                          <p:cTn id="28" fill="hold">
+                            <p:stCondLst>
+                              <p:cond delay="0"/>
+                            </p:stCondLst>
+                            <p:childTnLst>
+                              <p:par>
+                                <p:cTn id="29" presetID="1" presetClass="entr" presetSubtype="0" fill="hold" nodeType="clickEffect">
+                                  <p:stCondLst>
+                                    <p:cond delay="0"/>
+                                  </p:stCondLst>
+                                  <p:childTnLst>
+                                    <p:set>
+                                      <p:cBhvr>
+                                        <p:cTn id="30" dur="1" fill="hold">
+                                          <p:stCondLst>
+                                            <p:cond delay="0"/>
+                                          </p:stCondLst>
+                                        </p:cTn>
+                                        <p:tgtEl>
+                                          <p:spTgt spid="3">
+                                            <p:txEl>
+                                              <p:pRg st="4" end="4"/>
                                             </p:txEl>
                                           </p:spTgt>
                                         </p:tgtEl>
@@ -8477,7 +8539,7 @@
       </p:sp>
       <p:pic>
         <p:nvPicPr>
-          <p:cNvPr id="7" name="Picture 6"/>
+          <p:cNvPr id="5" name="Picture 4"/>
           <p:cNvPicPr>
             <a:picLocks noChangeAspect="1"/>
           </p:cNvPicPr>
@@ -8491,8 +8553,8 @@
         </p:blipFill>
         <p:spPr>
           <a:xfrm>
-            <a:off x="5363225" y="1412776"/>
-            <a:ext cx="7526945" cy="4113711"/>
+            <a:off x="5238748" y="1003183"/>
+            <a:ext cx="7244169" cy="4778610"/>
           </a:xfrm>
           <a:prstGeom prst="rect">
             <a:avLst/>
@@ -8780,7 +8842,7 @@
                                           </p:stCondLst>
                                         </p:cTn>
                                         <p:tgtEl>
-                                          <p:spTgt spid="7"/>
+                                          <p:spTgt spid="5"/>
                                         </p:tgtEl>
                                         <p:attrNameLst>
                                           <p:attrName>style.visibility</p:attrName>
@@ -8794,7 +8856,7 @@
                                       <p:cBhvr>
                                         <p:cTn id="26" dur="500"/>
                                         <p:tgtEl>
-                                          <p:spTgt spid="7"/>
+                                          <p:spTgt spid="5"/>
                                         </p:tgtEl>
                                       </p:cBhvr>
                                     </p:animEffect>
